--- a/Activity 1.pptx
+++ b/Activity 1.pptx
@@ -7,6 +7,7 @@
   <p:sldIdLst>
     <p:sldId id="256" r:id="rId2"/>
     <p:sldId id="257" r:id="rId3"/>
+    <p:sldId id="258" r:id="rId4"/>
   </p:sldIdLst>
   <p:sldSz cx="12192000" cy="6858000"/>
   <p:notesSz cx="6858000" cy="9144000"/>
@@ -441,7 +442,7 @@
           <a:p>
             <a:fld id="{82EBD281-BA66-4E54-AE2E-4DF215E5780A}" type="datetimeFigureOut">
               <a:rPr lang="en-US" smtClean="0"/>
-              <a:t>10/5/2023</a:t>
+              <a:t>10/11/2023</a:t>
             </a:fld>
             <a:endParaRPr lang="en-US"/>
           </a:p>
@@ -667,7 +668,7 @@
           <a:p>
             <a:fld id="{82EBD281-BA66-4E54-AE2E-4DF215E5780A}" type="datetimeFigureOut">
               <a:rPr lang="en-US" smtClean="0"/>
-              <a:t>10/5/2023</a:t>
+              <a:t>10/11/2023</a:t>
             </a:fld>
             <a:endParaRPr lang="en-US"/>
           </a:p>
@@ -883,7 +884,7 @@
           <a:p>
             <a:fld id="{82EBD281-BA66-4E54-AE2E-4DF215E5780A}" type="datetimeFigureOut">
               <a:rPr lang="en-US" smtClean="0"/>
-              <a:t>10/5/2023</a:t>
+              <a:t>10/11/2023</a:t>
             </a:fld>
             <a:endParaRPr lang="en-US"/>
           </a:p>
@@ -1175,7 +1176,7 @@
           <a:p>
             <a:fld id="{82EBD281-BA66-4E54-AE2E-4DF215E5780A}" type="datetimeFigureOut">
               <a:rPr lang="en-US" smtClean="0"/>
-              <a:t>10/5/2023</a:t>
+              <a:t>10/11/2023</a:t>
             </a:fld>
             <a:endParaRPr lang="en-US"/>
           </a:p>
@@ -1459,7 +1460,7 @@
           <a:p>
             <a:fld id="{82EBD281-BA66-4E54-AE2E-4DF215E5780A}" type="datetimeFigureOut">
               <a:rPr lang="en-US" smtClean="0"/>
-              <a:t>10/5/2023</a:t>
+              <a:t>10/11/2023</a:t>
             </a:fld>
             <a:endParaRPr lang="en-US"/>
           </a:p>
@@ -1890,7 +1891,7 @@
           <a:p>
             <a:fld id="{82EBD281-BA66-4E54-AE2E-4DF215E5780A}" type="datetimeFigureOut">
               <a:rPr lang="en-US" smtClean="0"/>
-              <a:t>10/5/2023</a:t>
+              <a:t>10/11/2023</a:t>
             </a:fld>
             <a:endParaRPr lang="en-US"/>
           </a:p>
@@ -2048,7 +2049,7 @@
           <a:p>
             <a:fld id="{82EBD281-BA66-4E54-AE2E-4DF215E5780A}" type="datetimeFigureOut">
               <a:rPr lang="en-US" smtClean="0"/>
-              <a:t>10/5/2023</a:t>
+              <a:t>10/11/2023</a:t>
             </a:fld>
             <a:endParaRPr lang="en-US"/>
           </a:p>
@@ -2177,7 +2178,7 @@
           <a:p>
             <a:fld id="{82EBD281-BA66-4E54-AE2E-4DF215E5780A}" type="datetimeFigureOut">
               <a:rPr lang="en-US" smtClean="0"/>
-              <a:t>10/5/2023</a:t>
+              <a:t>10/11/2023</a:t>
             </a:fld>
             <a:endParaRPr lang="en-US"/>
           </a:p>
@@ -2506,7 +2507,7 @@
           <a:p>
             <a:fld id="{82EBD281-BA66-4E54-AE2E-4DF215E5780A}" type="datetimeFigureOut">
               <a:rPr lang="en-US" smtClean="0"/>
-              <a:t>10/5/2023</a:t>
+              <a:t>10/11/2023</a:t>
             </a:fld>
             <a:endParaRPr lang="en-US"/>
           </a:p>
@@ -2815,7 +2816,7 @@
           <a:p>
             <a:fld id="{82EBD281-BA66-4E54-AE2E-4DF215E5780A}" type="datetimeFigureOut">
               <a:rPr lang="en-US" smtClean="0"/>
-              <a:t>10/5/2023</a:t>
+              <a:t>10/11/2023</a:t>
             </a:fld>
             <a:endParaRPr lang="en-US"/>
           </a:p>
@@ -3844,7 +3845,7 @@
         <p:spPr/>
         <p:txBody>
           <a:bodyPr>
-            <a:normAutofit lnSpcReduction="10000"/>
+            <a:normAutofit/>
           </a:bodyPr>
           <a:lstStyle/>
           <a:p>
@@ -3882,25 +3883,8 @@
           <a:p>
             <a:r>
               <a:rPr lang="en-GB" dirty="0"/>
-              <a:t>We divide the group into two; </a:t>
-            </a:r>
-          </a:p>
-          <a:p>
-            <a:pPr lvl="1"/>
-            <a:r>
-              <a:rPr lang="en-GB" dirty="0"/>
-              <a:t>Group 1 will use markdown to generate the documents</a:t>
-            </a:r>
-          </a:p>
-          <a:p>
-            <a:pPr lvl="1"/>
-            <a:r>
-              <a:rPr lang="en-GB" dirty="0"/>
-              <a:t>Group 2 will use conventional techniques to generate documents and then fill in the document with results.</a:t>
-            </a:r>
-          </a:p>
-          <a:p>
-            <a:endParaRPr lang="en-GB" dirty="0"/>
+              <a:t>You will given 15 min to complete this assignment</a:t>
+            </a:r>
           </a:p>
           <a:p>
             <a:endParaRPr lang="en-US" dirty="0"/>
@@ -3911,6 +3895,103 @@
     <p:extLst>
       <p:ext uri="{BB962C8B-B14F-4D97-AF65-F5344CB8AC3E}">
         <p14:creationId xmlns:p14="http://schemas.microsoft.com/office/powerpoint/2010/main" val="3008479416"/>
+      </p:ext>
+    </p:extLst>
+  </p:cSld>
+  <p:clrMapOvr>
+    <a:masterClrMapping/>
+  </p:clrMapOvr>
+</p:sld>
+</file>
+
+<file path=ppt/slides/slide3.xml><?xml version="1.0" encoding="utf-8"?>
+<p:sld xmlns:a="http://schemas.openxmlformats.org/drawingml/2006/main" xmlns:r="http://schemas.openxmlformats.org/officeDocument/2006/relationships" xmlns:p="http://schemas.openxmlformats.org/presentationml/2006/main">
+  <p:cSld>
+    <p:spTree>
+      <p:nvGrpSpPr>
+        <p:cNvPr id="1" name=""/>
+        <p:cNvGrpSpPr/>
+        <p:nvPr/>
+      </p:nvGrpSpPr>
+      <p:grpSpPr>
+        <a:xfrm>
+          <a:off x="0" y="0"/>
+          <a:ext cx="0" cy="0"/>
+          <a:chOff x="0" y="0"/>
+          <a:chExt cx="0" cy="0"/>
+        </a:xfrm>
+      </p:grpSpPr>
+      <p:sp>
+        <p:nvSpPr>
+          <p:cNvPr id="2" name="Title 1">
+            <a:extLst>
+              <a:ext uri="{FF2B5EF4-FFF2-40B4-BE49-F238E27FC236}">
+                <a16:creationId xmlns:a16="http://schemas.microsoft.com/office/drawing/2014/main" id="{CCE4B587-222A-0F3D-48CE-EC7966B288DA}"/>
+              </a:ext>
+            </a:extLst>
+          </p:cNvPr>
+          <p:cNvSpPr>
+            <a:spLocks noGrp="1"/>
+          </p:cNvSpPr>
+          <p:nvPr>
+            <p:ph type="title"/>
+          </p:nvPr>
+        </p:nvSpPr>
+        <p:spPr/>
+        <p:txBody>
+          <a:bodyPr/>
+          <a:lstStyle/>
+          <a:p>
+            <a:r>
+              <a:rPr lang="en-GB" dirty="0"/>
+              <a:t>Case 2</a:t>
+            </a:r>
+            <a:endParaRPr lang="en-US" dirty="0"/>
+          </a:p>
+        </p:txBody>
+      </p:sp>
+      <p:sp>
+        <p:nvSpPr>
+          <p:cNvPr id="3" name="Content Placeholder 2">
+            <a:extLst>
+              <a:ext uri="{FF2B5EF4-FFF2-40B4-BE49-F238E27FC236}">
+                <a16:creationId xmlns:a16="http://schemas.microsoft.com/office/drawing/2014/main" id="{7FFEA891-F84C-509F-A2DE-2C7A6583F2AB}"/>
+              </a:ext>
+            </a:extLst>
+          </p:cNvPr>
+          <p:cNvSpPr>
+            <a:spLocks noGrp="1"/>
+          </p:cNvSpPr>
+          <p:nvPr>
+            <p:ph idx="1"/>
+          </p:nvPr>
+        </p:nvSpPr>
+        <p:spPr/>
+        <p:txBody>
+          <a:bodyPr/>
+          <a:lstStyle/>
+          <a:p>
+            <a:r>
+              <a:rPr lang="en-GB" dirty="0"/>
+              <a:t>One you have completed the document; you supervisor suggest that your analysis was incomplete and need </a:t>
+            </a:r>
+            <a:r>
+              <a:rPr lang="en-GB"/>
+              <a:t>following changes.</a:t>
+            </a:r>
+          </a:p>
+          <a:p>
+            <a:endParaRPr lang="en-GB" dirty="0"/>
+          </a:p>
+          <a:p>
+            <a:endParaRPr lang="en-US" dirty="0"/>
+          </a:p>
+        </p:txBody>
+      </p:sp>
+    </p:spTree>
+    <p:extLst>
+      <p:ext uri="{BB962C8B-B14F-4D97-AF65-F5344CB8AC3E}">
+        <p14:creationId xmlns:p14="http://schemas.microsoft.com/office/powerpoint/2010/main" val="1770440510"/>
       </p:ext>
     </p:extLst>
   </p:cSld>
